--- a/python/learn_python.pptx
+++ b/python/learn_python.pptx
@@ -8,6 +8,8 @@
     <p:sldId id="256" r:id="rId2"/>
     <p:sldId id="258" r:id="rId3"/>
     <p:sldId id="259" r:id="rId4"/>
+    <p:sldId id="260" r:id="rId5"/>
+    <p:sldId id="261" r:id="rId6"/>
   </p:sldIdLst>
   <p:sldSz cx="12192000" cy="6858000"/>
   <p:notesSz cx="6858000" cy="9144000"/>
@@ -333,7 +335,7 @@
           <a:p>
             <a:fld id="{0A0E59F8-331F-463B-8158-E91D812A32EC}" type="datetimeFigureOut">
               <a:rPr lang="en-US" smtClean="0"/>
-              <a:t>3/26/2024</a:t>
+              <a:t>3/27/2024</a:t>
             </a:fld>
             <a:endParaRPr lang="en-US"/>
           </a:p>
@@ -588,7 +590,7 @@
           <a:p>
             <a:fld id="{0A0E59F8-331F-463B-8158-E91D812A32EC}" type="datetimeFigureOut">
               <a:rPr lang="en-US" smtClean="0"/>
-              <a:t>3/26/2024</a:t>
+              <a:t>3/27/2024</a:t>
             </a:fld>
             <a:endParaRPr lang="en-US"/>
           </a:p>
@@ -756,7 +758,7 @@
           <a:p>
             <a:fld id="{0A0E59F8-331F-463B-8158-E91D812A32EC}" type="datetimeFigureOut">
               <a:rPr lang="en-US" smtClean="0"/>
-              <a:t>3/26/2024</a:t>
+              <a:t>3/27/2024</a:t>
             </a:fld>
             <a:endParaRPr lang="en-US"/>
           </a:p>
@@ -934,7 +936,7 @@
           <a:p>
             <a:fld id="{0A0E59F8-331F-463B-8158-E91D812A32EC}" type="datetimeFigureOut">
               <a:rPr lang="en-US" smtClean="0"/>
-              <a:t>3/26/2024</a:t>
+              <a:t>3/27/2024</a:t>
             </a:fld>
             <a:endParaRPr lang="en-US"/>
           </a:p>
@@ -1216,7 +1218,7 @@
           <a:p>
             <a:fld id="{0A0E59F8-331F-463B-8158-E91D812A32EC}" type="datetimeFigureOut">
               <a:rPr lang="en-US" smtClean="0"/>
-              <a:t>3/26/2024</a:t>
+              <a:t>3/27/2024</a:t>
             </a:fld>
             <a:endParaRPr lang="en-US"/>
           </a:p>
@@ -1463,7 +1465,7 @@
           <a:p>
             <a:fld id="{0A0E59F8-331F-463B-8158-E91D812A32EC}" type="datetimeFigureOut">
               <a:rPr lang="en-US" smtClean="0"/>
-              <a:t>3/26/2024</a:t>
+              <a:t>3/27/2024</a:t>
             </a:fld>
             <a:endParaRPr lang="en-US"/>
           </a:p>
@@ -1708,7 +1710,7 @@
           <a:p>
             <a:fld id="{0A0E59F8-331F-463B-8158-E91D812A32EC}" type="datetimeFigureOut">
               <a:rPr lang="en-US" smtClean="0"/>
-              <a:t>3/26/2024</a:t>
+              <a:t>3/27/2024</a:t>
             </a:fld>
             <a:endParaRPr lang="en-US"/>
           </a:p>
@@ -1993,7 +1995,7 @@
           <a:p>
             <a:fld id="{0A0E59F8-331F-463B-8158-E91D812A32EC}" type="datetimeFigureOut">
               <a:rPr lang="en-US" smtClean="0"/>
-              <a:t>3/26/2024</a:t>
+              <a:t>3/27/2024</a:t>
             </a:fld>
             <a:endParaRPr lang="en-US"/>
           </a:p>
@@ -2481,7 +2483,7 @@
           <a:p>
             <a:fld id="{0A0E59F8-331F-463B-8158-E91D812A32EC}" type="datetimeFigureOut">
               <a:rPr lang="en-US" smtClean="0"/>
-              <a:t>3/26/2024</a:t>
+              <a:t>3/27/2024</a:t>
             </a:fld>
             <a:endParaRPr lang="en-US"/>
           </a:p>
@@ -2598,7 +2600,7 @@
           <a:p>
             <a:fld id="{0A0E59F8-331F-463B-8158-E91D812A32EC}" type="datetimeFigureOut">
               <a:rPr lang="en-US" smtClean="0"/>
-              <a:t>3/26/2024</a:t>
+              <a:t>3/27/2024</a:t>
             </a:fld>
             <a:endParaRPr lang="en-US"/>
           </a:p>
@@ -2693,7 +2695,7 @@
           <a:p>
             <a:fld id="{0A0E59F8-331F-463B-8158-E91D812A32EC}" type="datetimeFigureOut">
               <a:rPr lang="en-US" smtClean="0"/>
-              <a:t>3/26/2024</a:t>
+              <a:t>3/27/2024</a:t>
             </a:fld>
             <a:endParaRPr lang="en-US"/>
           </a:p>
@@ -2968,7 +2970,7 @@
           <a:p>
             <a:fld id="{0A0E59F8-331F-463B-8158-E91D812A32EC}" type="datetimeFigureOut">
               <a:rPr lang="en-US" smtClean="0"/>
-              <a:t>3/26/2024</a:t>
+              <a:t>3/27/2024</a:t>
             </a:fld>
             <a:endParaRPr lang="en-US"/>
           </a:p>
@@ -3188,7 +3190,7 @@
           <a:p>
             <a:fld id="{0A0E59F8-331F-463B-8158-E91D812A32EC}" type="datetimeFigureOut">
               <a:rPr lang="en-US" smtClean="0"/>
-              <a:t>3/26/2024</a:t>
+              <a:t>3/27/2024</a:t>
             </a:fld>
             <a:endParaRPr lang="en-US"/>
           </a:p>
@@ -4310,6 +4312,386 @@
     <p:extLst>
       <p:ext uri="{BB962C8B-B14F-4D97-AF65-F5344CB8AC3E}">
         <p14:creationId xmlns:p14="http://schemas.microsoft.com/office/powerpoint/2010/main" val="1158669460"/>
+      </p:ext>
+    </p:extLst>
+  </p:cSld>
+  <p:clrMapOvr>
+    <a:masterClrMapping/>
+  </p:clrMapOvr>
+</p:sld>
+</file>
+
+<file path=ppt/slides/slide4.xml><?xml version="1.0" encoding="utf-8"?>
+<p:sld xmlns:a="http://schemas.openxmlformats.org/drawingml/2006/main" xmlns:r="http://schemas.openxmlformats.org/officeDocument/2006/relationships" xmlns:p="http://schemas.openxmlformats.org/presentationml/2006/main">
+  <p:cSld>
+    <p:spTree>
+      <p:nvGrpSpPr>
+        <p:cNvPr id="1" name=""/>
+        <p:cNvGrpSpPr/>
+        <p:nvPr/>
+      </p:nvGrpSpPr>
+      <p:grpSpPr>
+        <a:xfrm>
+          <a:off x="0" y="0"/>
+          <a:ext cx="0" cy="0"/>
+          <a:chOff x="0" y="0"/>
+          <a:chExt cx="0" cy="0"/>
+        </a:xfrm>
+      </p:grpSpPr>
+      <p:sp>
+        <p:nvSpPr>
+          <p:cNvPr id="2" name="Title 1">
+            <a:extLst>
+              <a:ext uri="{FF2B5EF4-FFF2-40B4-BE49-F238E27FC236}">
+                <a16:creationId xmlns:a16="http://schemas.microsoft.com/office/drawing/2014/main" id="{470CFF08-978B-EF2C-AA74-92A88B962194}"/>
+              </a:ext>
+            </a:extLst>
+          </p:cNvPr>
+          <p:cNvSpPr>
+            <a:spLocks noGrp="1"/>
+          </p:cNvSpPr>
+          <p:nvPr>
+            <p:ph type="title"/>
+          </p:nvPr>
+        </p:nvSpPr>
+        <p:spPr>
+          <a:xfrm>
+            <a:off x="526263" y="286045"/>
+            <a:ext cx="9070320" cy="1018032"/>
+          </a:xfrm>
+        </p:spPr>
+        <p:txBody>
+          <a:bodyPr/>
+          <a:lstStyle/>
+          <a:p>
+            <a:pPr algn="r" rtl="1"/>
+            <a:r>
+              <a:rPr lang="fa-IR" dirty="0"/>
+              <a:t>استفاده از کتابخانه  </a:t>
+            </a:r>
+            <a:r>
+              <a:rPr lang="en-US" dirty="0"/>
+              <a:t>   </a:t>
+            </a:r>
+            <a:r>
+              <a:rPr lang="en-US" sz="2400" dirty="0"/>
+              <a:t>(time)</a:t>
+            </a:r>
+            <a:r>
+              <a:rPr lang="en-US" dirty="0"/>
+              <a:t>datetime</a:t>
+            </a:r>
+          </a:p>
+        </p:txBody>
+      </p:sp>
+      <p:sp>
+        <p:nvSpPr>
+          <p:cNvPr id="3" name="Content Placeholder 2">
+            <a:extLst>
+              <a:ext uri="{FF2B5EF4-FFF2-40B4-BE49-F238E27FC236}">
+                <a16:creationId xmlns:a16="http://schemas.microsoft.com/office/drawing/2014/main" id="{C1591891-9D0B-426B-05E7-26DE5BE9F1EF}"/>
+              </a:ext>
+            </a:extLst>
+          </p:cNvPr>
+          <p:cNvSpPr>
+            <a:spLocks noGrp="1"/>
+          </p:cNvSpPr>
+          <p:nvPr>
+            <p:ph idx="1"/>
+          </p:nvPr>
+        </p:nvSpPr>
+        <p:spPr/>
+        <p:txBody>
+          <a:bodyPr>
+            <a:normAutofit/>
+          </a:bodyPr>
+          <a:lstStyle/>
+          <a:p>
+            <a:pPr algn="r" rtl="1"/>
+            <a:r>
+              <a:rPr lang="fa-IR" sz="2400" dirty="0">
+                <a:solidFill>
+                  <a:schemeClr val="tx1"/>
+                </a:solidFill>
+              </a:rPr>
+              <a:t>استفاده از </a:t>
+            </a:r>
+            <a:r>
+              <a:rPr lang="en-US" sz="2400" dirty="0">
+                <a:solidFill>
+                  <a:schemeClr val="tx1"/>
+                </a:solidFill>
+              </a:rPr>
+              <a:t>time </a:t>
+            </a:r>
+            <a:r>
+              <a:rPr lang="fa-IR" sz="2400" dirty="0">
+                <a:solidFill>
+                  <a:schemeClr val="tx1"/>
+                </a:solidFill>
+              </a:rPr>
+              <a:t> : </a:t>
+            </a:r>
+            <a:r>
+              <a:rPr lang="en-US" sz="2400" dirty="0" err="1">
+                <a:solidFill>
+                  <a:schemeClr val="tx1"/>
+                </a:solidFill>
+              </a:rPr>
+              <a:t>datetime.time</a:t>
+            </a:r>
+            <a:r>
+              <a:rPr lang="en-US" sz="2400" dirty="0">
+                <a:solidFill>
+                  <a:schemeClr val="tx1"/>
+                </a:solidFill>
+              </a:rPr>
+              <a:t> </a:t>
+            </a:r>
+            <a:r>
+              <a:rPr lang="fa-IR" sz="2400" dirty="0">
+                <a:solidFill>
+                  <a:schemeClr val="tx1"/>
+                </a:solidFill>
+              </a:rPr>
+              <a:t> یک نوع دیتا تایپ موجود در این کتابختنه می باشد که نمی توانیم مقدار متغییر های آن راه تغییر دهیم ، به عبارتی فقط </a:t>
+            </a:r>
+            <a:r>
+              <a:rPr lang="en-US" sz="2400" dirty="0">
+                <a:solidFill>
+                  <a:schemeClr val="tx1"/>
+                </a:solidFill>
+              </a:rPr>
+              <a:t>(read-only)</a:t>
+            </a:r>
+            <a:r>
+              <a:rPr lang="fa-IR" sz="2400" dirty="0">
+                <a:solidFill>
+                  <a:schemeClr val="tx1"/>
+                </a:solidFill>
+              </a:rPr>
+              <a:t> هستند .</a:t>
+            </a:r>
+          </a:p>
+          <a:p>
+            <a:pPr marL="0" indent="0" algn="r" rtl="1">
+              <a:buNone/>
+            </a:pPr>
+            <a:r>
+              <a:rPr lang="fa-IR" sz="2400" dirty="0">
+                <a:solidFill>
+                  <a:schemeClr val="tx1"/>
+                </a:solidFill>
+              </a:rPr>
+              <a:t>به عبارتی دیگر فقط هنگام تعریف می توان مقدار آن را مشخص کرد و در وسط برنامه دیگر نمی توان مقدار آن راه تغییر داد (فقط هنگام تعریف شی می توان مقادیر </a:t>
+            </a:r>
+          </a:p>
+          <a:p>
+            <a:pPr marL="0" indent="0" algn="r" rtl="1">
+              <a:buNone/>
+            </a:pPr>
+            <a:r>
+              <a:rPr lang="fa-IR" sz="2400" dirty="0">
+                <a:solidFill>
+                  <a:schemeClr val="tx1"/>
+                </a:solidFill>
+              </a:rPr>
+              <a:t>اولیه زمان ، این که زمان از کجا شروع شود را تعیین کرد .</a:t>
+            </a:r>
+            <a:endParaRPr lang="en-US" sz="2400" dirty="0">
+              <a:solidFill>
+                <a:schemeClr val="tx1"/>
+              </a:solidFill>
+            </a:endParaRPr>
+          </a:p>
+        </p:txBody>
+      </p:sp>
+      <p:pic>
+        <p:nvPicPr>
+          <p:cNvPr id="6" name="Picture 5">
+            <a:extLst>
+              <a:ext uri="{FF2B5EF4-FFF2-40B4-BE49-F238E27FC236}">
+                <a16:creationId xmlns:a16="http://schemas.microsoft.com/office/drawing/2014/main" id="{8C05A1FD-9C2A-4C3C-EE65-7D2C6482F3D7}"/>
+              </a:ext>
+            </a:extLst>
+          </p:cNvPr>
+          <p:cNvPicPr>
+            <a:picLocks noChangeAspect="1"/>
+          </p:cNvPicPr>
+          <p:nvPr/>
+        </p:nvPicPr>
+        <p:blipFill rotWithShape="1">
+          <a:blip r:embed="rId2"/>
+          <a:srcRect l="53030" t="28417" r="1137" b="19057"/>
+          <a:stretch/>
+        </p:blipFill>
+        <p:spPr>
+          <a:xfrm>
+            <a:off x="221674" y="3048002"/>
+            <a:ext cx="5089236" cy="3602182"/>
+          </a:xfrm>
+          <a:prstGeom prst="rect">
+            <a:avLst/>
+          </a:prstGeom>
+        </p:spPr>
+      </p:pic>
+    </p:spTree>
+    <p:extLst>
+      <p:ext uri="{BB962C8B-B14F-4D97-AF65-F5344CB8AC3E}">
+        <p14:creationId xmlns:p14="http://schemas.microsoft.com/office/powerpoint/2010/main" val="602587116"/>
+      </p:ext>
+    </p:extLst>
+  </p:cSld>
+  <p:clrMapOvr>
+    <a:masterClrMapping/>
+  </p:clrMapOvr>
+</p:sld>
+</file>
+
+<file path=ppt/slides/slide5.xml><?xml version="1.0" encoding="utf-8"?>
+<p:sld xmlns:a="http://schemas.openxmlformats.org/drawingml/2006/main" xmlns:r="http://schemas.openxmlformats.org/officeDocument/2006/relationships" xmlns:p="http://schemas.openxmlformats.org/presentationml/2006/main">
+  <p:cSld>
+    <p:spTree>
+      <p:nvGrpSpPr>
+        <p:cNvPr id="1" name=""/>
+        <p:cNvGrpSpPr/>
+        <p:nvPr/>
+      </p:nvGrpSpPr>
+      <p:grpSpPr>
+        <a:xfrm>
+          <a:off x="0" y="0"/>
+          <a:ext cx="0" cy="0"/>
+          <a:chOff x="0" y="0"/>
+          <a:chExt cx="0" cy="0"/>
+        </a:xfrm>
+      </p:grpSpPr>
+      <p:sp>
+        <p:nvSpPr>
+          <p:cNvPr id="2" name="Title 1">
+            <a:extLst>
+              <a:ext uri="{FF2B5EF4-FFF2-40B4-BE49-F238E27FC236}">
+                <a16:creationId xmlns:a16="http://schemas.microsoft.com/office/drawing/2014/main" id="{68180AD4-0B16-1B41-FE85-65EA30E0769C}"/>
+              </a:ext>
+            </a:extLst>
+          </p:cNvPr>
+          <p:cNvSpPr>
+            <a:spLocks noGrp="1"/>
+          </p:cNvSpPr>
+          <p:nvPr>
+            <p:ph type="title"/>
+          </p:nvPr>
+        </p:nvSpPr>
+        <p:spPr>
+          <a:xfrm>
+            <a:off x="526263" y="286045"/>
+            <a:ext cx="8913302" cy="1018032"/>
+          </a:xfrm>
+        </p:spPr>
+        <p:txBody>
+          <a:bodyPr/>
+          <a:lstStyle/>
+          <a:p>
+            <a:pPr algn="r" rtl="1"/>
+            <a:r>
+              <a:rPr lang="fa-IR" dirty="0"/>
+              <a:t>استفاده از کتابخانه </a:t>
+            </a:r>
+            <a:r>
+              <a:rPr lang="en-US" sz="2400" dirty="0"/>
+              <a:t>(date)</a:t>
+            </a:r>
+            <a:r>
+              <a:rPr lang="en-US" dirty="0"/>
+              <a:t>datetime</a:t>
+            </a:r>
+          </a:p>
+        </p:txBody>
+      </p:sp>
+      <p:pic>
+        <p:nvPicPr>
+          <p:cNvPr id="8" name="Content Placeholder 4">
+            <a:extLst>
+              <a:ext uri="{FF2B5EF4-FFF2-40B4-BE49-F238E27FC236}">
+                <a16:creationId xmlns:a16="http://schemas.microsoft.com/office/drawing/2014/main" id="{47AFBD57-511D-0E3F-E794-3AF2DE15143B}"/>
+              </a:ext>
+            </a:extLst>
+          </p:cNvPr>
+          <p:cNvPicPr>
+            <a:picLocks noGrp="1" noChangeAspect="1"/>
+          </p:cNvPicPr>
+          <p:nvPr>
+            <p:ph idx="1"/>
+          </p:nvPr>
+        </p:nvPicPr>
+        <p:blipFill rotWithShape="1">
+          <a:blip r:embed="rId2"/>
+          <a:srcRect l="52039" t="45069" r="1944" b="9862"/>
+          <a:stretch/>
+        </p:blipFill>
+        <p:spPr>
+          <a:xfrm>
+            <a:off x="201837" y="2671902"/>
+            <a:ext cx="7298090" cy="4020604"/>
+          </a:xfrm>
+        </p:spPr>
+      </p:pic>
+      <p:sp>
+        <p:nvSpPr>
+          <p:cNvPr id="9" name="TextBox 8">
+            <a:extLst>
+              <a:ext uri="{FF2B5EF4-FFF2-40B4-BE49-F238E27FC236}">
+                <a16:creationId xmlns:a16="http://schemas.microsoft.com/office/drawing/2014/main" id="{A6C71BCC-D8A8-6D43-5E7B-AA88D847067B}"/>
+              </a:ext>
+            </a:extLst>
+          </p:cNvPr>
+          <p:cNvSpPr txBox="1"/>
+          <p:nvPr/>
+        </p:nvSpPr>
+        <p:spPr>
+          <a:xfrm>
+            <a:off x="203200" y="1597891"/>
+            <a:ext cx="11850255" cy="830997"/>
+          </a:xfrm>
+          <a:prstGeom prst="rect">
+            <a:avLst/>
+          </a:prstGeom>
+          <a:noFill/>
+        </p:spPr>
+        <p:txBody>
+          <a:bodyPr wrap="square" rtlCol="0">
+            <a:spAutoFit/>
+          </a:bodyPr>
+          <a:lstStyle/>
+          <a:p>
+            <a:pPr algn="r" rtl="1"/>
+            <a:r>
+              <a:rPr lang="fa-IR" sz="2400" dirty="0"/>
+              <a:t>دیتا تایپ </a:t>
+            </a:r>
+            <a:r>
+              <a:rPr lang="en-US" sz="2400" dirty="0"/>
+              <a:t>datetime.date </a:t>
+            </a:r>
+            <a:r>
+              <a:rPr lang="fa-IR" sz="2400" dirty="0"/>
+              <a:t> یکی از دیتا تایپ های تغییر ناپذیر است و درست مثل دیتا تایپ </a:t>
+            </a:r>
+            <a:r>
+              <a:rPr lang="en-US" sz="2400" dirty="0"/>
+              <a:t>time</a:t>
+            </a:r>
+            <a:r>
+              <a:rPr lang="fa-IR" sz="2400" dirty="0"/>
+              <a:t> فقط می توان هنگام تعریف مقدار آن را تعیین کرد </a:t>
+            </a:r>
+            <a:endParaRPr lang="en-US" sz="2400" dirty="0"/>
+          </a:p>
+        </p:txBody>
+      </p:sp>
+    </p:spTree>
+    <p:extLst>
+      <p:ext uri="{BB962C8B-B14F-4D97-AF65-F5344CB8AC3E}">
+        <p14:creationId xmlns:p14="http://schemas.microsoft.com/office/powerpoint/2010/main" val="3228866381"/>
       </p:ext>
     </p:extLst>
   </p:cSld>

--- a/python/learn_python.pptx
+++ b/python/learn_python.pptx
@@ -10,6 +10,8 @@
     <p:sldId id="259" r:id="rId4"/>
     <p:sldId id="260" r:id="rId5"/>
     <p:sldId id="261" r:id="rId6"/>
+    <p:sldId id="262" r:id="rId7"/>
+    <p:sldId id="263" r:id="rId8"/>
   </p:sldIdLst>
   <p:sldSz cx="12192000" cy="6858000"/>
   <p:notesSz cx="6858000" cy="9144000"/>
@@ -4692,6 +4694,545 @@
     <p:extLst>
       <p:ext uri="{BB962C8B-B14F-4D97-AF65-F5344CB8AC3E}">
         <p14:creationId xmlns:p14="http://schemas.microsoft.com/office/powerpoint/2010/main" val="3228866381"/>
+      </p:ext>
+    </p:extLst>
+  </p:cSld>
+  <p:clrMapOvr>
+    <a:masterClrMapping/>
+  </p:clrMapOvr>
+</p:sld>
+</file>
+
+<file path=ppt/slides/slide6.xml><?xml version="1.0" encoding="utf-8"?>
+<p:sld xmlns:a="http://schemas.openxmlformats.org/drawingml/2006/main" xmlns:r="http://schemas.openxmlformats.org/officeDocument/2006/relationships" xmlns:p="http://schemas.openxmlformats.org/presentationml/2006/main">
+  <p:cSld>
+    <p:spTree>
+      <p:nvGrpSpPr>
+        <p:cNvPr id="1" name=""/>
+        <p:cNvGrpSpPr/>
+        <p:nvPr/>
+      </p:nvGrpSpPr>
+      <p:grpSpPr>
+        <a:xfrm>
+          <a:off x="0" y="0"/>
+          <a:ext cx="0" cy="0"/>
+          <a:chOff x="0" y="0"/>
+          <a:chExt cx="0" cy="0"/>
+        </a:xfrm>
+      </p:grpSpPr>
+      <p:sp>
+        <p:nvSpPr>
+          <p:cNvPr id="2" name="Title 1">
+            <a:extLst>
+              <a:ext uri="{FF2B5EF4-FFF2-40B4-BE49-F238E27FC236}">
+                <a16:creationId xmlns:a16="http://schemas.microsoft.com/office/drawing/2014/main" id="{53BB8D71-026C-7299-55F3-EF65110D9AAE}"/>
+              </a:ext>
+            </a:extLst>
+          </p:cNvPr>
+          <p:cNvSpPr>
+            <a:spLocks noGrp="1"/>
+          </p:cNvSpPr>
+          <p:nvPr>
+            <p:ph type="title"/>
+          </p:nvPr>
+        </p:nvSpPr>
+        <p:spPr>
+          <a:xfrm>
+            <a:off x="526262" y="286045"/>
+            <a:ext cx="8987193" cy="1018032"/>
+          </a:xfrm>
+        </p:spPr>
+        <p:txBody>
+          <a:bodyPr/>
+          <a:lstStyle/>
+          <a:p>
+            <a:pPr algn="r" rtl="1"/>
+            <a:r>
+              <a:rPr lang="fa-IR" dirty="0"/>
+              <a:t>استفاده از متابخانه </a:t>
+            </a:r>
+            <a:r>
+              <a:rPr lang="en-US" dirty="0"/>
+              <a:t>datetime </a:t>
+            </a:r>
+            <a:r>
+              <a:rPr lang="fa-IR" dirty="0"/>
+              <a:t> </a:t>
+            </a:r>
+            <a:r>
+              <a:rPr lang="en-US" sz="2400" dirty="0"/>
+              <a:t>(</a:t>
+            </a:r>
+            <a:r>
+              <a:rPr lang="en-US" sz="2400" dirty="0" err="1"/>
+              <a:t>datetime,now</a:t>
+            </a:r>
+            <a:r>
+              <a:rPr lang="en-US" sz="2400" dirty="0"/>
+              <a:t>)</a:t>
+            </a:r>
+            <a:endParaRPr lang="en-US" dirty="0"/>
+          </a:p>
+        </p:txBody>
+      </p:sp>
+      <p:sp>
+        <p:nvSpPr>
+          <p:cNvPr id="3" name="Content Placeholder 2">
+            <a:extLst>
+              <a:ext uri="{FF2B5EF4-FFF2-40B4-BE49-F238E27FC236}">
+                <a16:creationId xmlns:a16="http://schemas.microsoft.com/office/drawing/2014/main" id="{607A797D-EFF0-FA66-1952-E4C0F7E1755B}"/>
+              </a:ext>
+            </a:extLst>
+          </p:cNvPr>
+          <p:cNvSpPr>
+            <a:spLocks noGrp="1"/>
+          </p:cNvSpPr>
+          <p:nvPr>
+            <p:ph idx="1"/>
+          </p:nvPr>
+        </p:nvSpPr>
+        <p:spPr/>
+        <p:txBody>
+          <a:bodyPr>
+            <a:normAutofit/>
+          </a:bodyPr>
+          <a:lstStyle/>
+          <a:p>
+            <a:pPr algn="r" rtl="1"/>
+            <a:r>
+              <a:rPr lang="fa-IR" sz="2400" dirty="0">
+                <a:solidFill>
+                  <a:schemeClr val="tx1"/>
+                </a:solidFill>
+              </a:rPr>
+              <a:t>تابع </a:t>
+            </a:r>
+            <a:r>
+              <a:rPr lang="en-US" sz="2400" dirty="0">
+                <a:solidFill>
+                  <a:schemeClr val="tx1"/>
+                </a:solidFill>
+              </a:rPr>
+              <a:t>now</a:t>
+            </a:r>
+            <a:r>
+              <a:rPr lang="fa-IR" sz="2400" dirty="0">
+                <a:solidFill>
+                  <a:schemeClr val="tx1"/>
+                </a:solidFill>
+              </a:rPr>
+              <a:t> : با این تابع می توان مقدار دقیق زمان رو بدست آورد (تابع درونی </a:t>
+            </a:r>
+            <a:r>
+              <a:rPr lang="en-US" sz="2400" dirty="0">
+                <a:solidFill>
+                  <a:schemeClr val="tx1"/>
+                </a:solidFill>
+              </a:rPr>
+              <a:t>datetime</a:t>
+            </a:r>
+            <a:r>
+              <a:rPr lang="fa-IR" sz="2400" dirty="0">
+                <a:solidFill>
+                  <a:schemeClr val="tx1"/>
+                </a:solidFill>
+              </a:rPr>
+              <a:t> )</a:t>
+            </a:r>
+          </a:p>
+          <a:p>
+            <a:pPr algn="r" rtl="1"/>
+            <a:r>
+              <a:rPr lang="fa-IR" sz="2400" dirty="0">
+                <a:solidFill>
+                  <a:schemeClr val="tx1"/>
+                </a:solidFill>
+              </a:rPr>
+              <a:t>تابع </a:t>
+            </a:r>
+            <a:r>
+              <a:rPr lang="en-US" sz="2400" dirty="0">
+                <a:solidFill>
+                  <a:schemeClr val="tx1"/>
+                </a:solidFill>
+              </a:rPr>
+              <a:t>datetime</a:t>
+            </a:r>
+            <a:r>
+              <a:rPr lang="fa-IR" sz="2400" dirty="0">
+                <a:solidFill>
+                  <a:schemeClr val="tx1"/>
+                </a:solidFill>
+              </a:rPr>
+              <a:t> : ترکیب دو دیتا تایپ </a:t>
+            </a:r>
+            <a:r>
+              <a:rPr lang="en-US" sz="2400" dirty="0">
+                <a:solidFill>
+                  <a:schemeClr val="tx1"/>
+                </a:solidFill>
+              </a:rPr>
+              <a:t>time </a:t>
+            </a:r>
+            <a:r>
+              <a:rPr lang="fa-IR" sz="2400" dirty="0">
+                <a:solidFill>
+                  <a:schemeClr val="tx1"/>
+                </a:solidFill>
+              </a:rPr>
+              <a:t> و </a:t>
+            </a:r>
+            <a:r>
+              <a:rPr lang="en-US" sz="2400" dirty="0">
+                <a:solidFill>
+                  <a:schemeClr val="tx1"/>
+                </a:solidFill>
+              </a:rPr>
+              <a:t>date</a:t>
+            </a:r>
+          </a:p>
+          <a:p>
+            <a:pPr marL="0" indent="0" algn="r" rtl="1">
+              <a:buNone/>
+            </a:pPr>
+            <a:endParaRPr lang="en-US" sz="2400" dirty="0">
+              <a:solidFill>
+                <a:schemeClr val="tx1"/>
+              </a:solidFill>
+            </a:endParaRPr>
+          </a:p>
+        </p:txBody>
+      </p:sp>
+      <p:pic>
+        <p:nvPicPr>
+          <p:cNvPr id="6" name="Picture 5">
+            <a:extLst>
+              <a:ext uri="{FF2B5EF4-FFF2-40B4-BE49-F238E27FC236}">
+                <a16:creationId xmlns:a16="http://schemas.microsoft.com/office/drawing/2014/main" id="{99244F4F-C4A3-C754-B92C-35C48B7A3320}"/>
+              </a:ext>
+            </a:extLst>
+          </p:cNvPr>
+          <p:cNvPicPr>
+            <a:picLocks noChangeAspect="1"/>
+          </p:cNvPicPr>
+          <p:nvPr/>
+        </p:nvPicPr>
+        <p:blipFill rotWithShape="1">
+          <a:blip r:embed="rId2"/>
+          <a:srcRect l="52272" t="28148" r="1061" b="27138"/>
+          <a:stretch/>
+        </p:blipFill>
+        <p:spPr>
+          <a:xfrm>
+            <a:off x="2586182" y="2770909"/>
+            <a:ext cx="6567053" cy="3801046"/>
+          </a:xfrm>
+          <a:prstGeom prst="rect">
+            <a:avLst/>
+          </a:prstGeom>
+        </p:spPr>
+      </p:pic>
+    </p:spTree>
+    <p:extLst>
+      <p:ext uri="{BB962C8B-B14F-4D97-AF65-F5344CB8AC3E}">
+        <p14:creationId xmlns:p14="http://schemas.microsoft.com/office/powerpoint/2010/main" val="2459599862"/>
+      </p:ext>
+    </p:extLst>
+  </p:cSld>
+  <p:clrMapOvr>
+    <a:masterClrMapping/>
+  </p:clrMapOvr>
+</p:sld>
+</file>
+
+<file path=ppt/slides/slide7.xml><?xml version="1.0" encoding="utf-8"?>
+<p:sld xmlns:a="http://schemas.openxmlformats.org/drawingml/2006/main" xmlns:r="http://schemas.openxmlformats.org/officeDocument/2006/relationships" xmlns:p="http://schemas.openxmlformats.org/presentationml/2006/main">
+  <p:cSld>
+    <p:spTree>
+      <p:nvGrpSpPr>
+        <p:cNvPr id="1" name=""/>
+        <p:cNvGrpSpPr/>
+        <p:nvPr/>
+      </p:nvGrpSpPr>
+      <p:grpSpPr>
+        <a:xfrm>
+          <a:off x="0" y="0"/>
+          <a:ext cx="0" cy="0"/>
+          <a:chOff x="0" y="0"/>
+          <a:chExt cx="0" cy="0"/>
+        </a:xfrm>
+      </p:grpSpPr>
+      <p:sp>
+        <p:nvSpPr>
+          <p:cNvPr id="2" name="Title 1">
+            <a:extLst>
+              <a:ext uri="{FF2B5EF4-FFF2-40B4-BE49-F238E27FC236}">
+                <a16:creationId xmlns:a16="http://schemas.microsoft.com/office/drawing/2014/main" id="{19B47989-23BF-52F9-CC15-B5600A8E1679}"/>
+              </a:ext>
+            </a:extLst>
+          </p:cNvPr>
+          <p:cNvSpPr>
+            <a:spLocks noGrp="1"/>
+          </p:cNvSpPr>
+          <p:nvPr>
+            <p:ph type="title"/>
+          </p:nvPr>
+        </p:nvSpPr>
+        <p:spPr>
+          <a:xfrm>
+            <a:off x="526262" y="286045"/>
+            <a:ext cx="9144211" cy="1018032"/>
+          </a:xfrm>
+        </p:spPr>
+        <p:txBody>
+          <a:bodyPr/>
+          <a:lstStyle/>
+          <a:p>
+            <a:pPr algn="r" rtl="1"/>
+            <a:r>
+              <a:rPr lang="fa-IR" dirty="0"/>
+              <a:t>استفاده از متابخانه </a:t>
+            </a:r>
+            <a:r>
+              <a:rPr lang="en-US" dirty="0"/>
+              <a:t>datetime </a:t>
+            </a:r>
+            <a:r>
+              <a:rPr lang="fa-IR" dirty="0"/>
+              <a:t> </a:t>
+            </a:r>
+            <a:r>
+              <a:rPr lang="en-US" sz="2400" dirty="0"/>
+              <a:t>(</a:t>
+            </a:r>
+            <a:r>
+              <a:rPr lang="en-US" sz="2400" dirty="0" err="1"/>
+              <a:t>strptime</a:t>
+            </a:r>
+            <a:r>
+              <a:rPr lang="en-US" sz="2400" dirty="0"/>
+              <a:t>)</a:t>
+            </a:r>
+            <a:endParaRPr lang="en-US" dirty="0"/>
+          </a:p>
+        </p:txBody>
+      </p:sp>
+      <p:sp>
+        <p:nvSpPr>
+          <p:cNvPr id="3" name="Content Placeholder 2">
+            <a:extLst>
+              <a:ext uri="{FF2B5EF4-FFF2-40B4-BE49-F238E27FC236}">
+                <a16:creationId xmlns:a16="http://schemas.microsoft.com/office/drawing/2014/main" id="{D73F2F03-D491-452A-E0FA-7E7E196193ED}"/>
+              </a:ext>
+            </a:extLst>
+          </p:cNvPr>
+          <p:cNvSpPr>
+            <a:spLocks noGrp="1"/>
+          </p:cNvSpPr>
+          <p:nvPr>
+            <p:ph idx="1"/>
+          </p:nvPr>
+        </p:nvSpPr>
+        <p:spPr/>
+        <p:txBody>
+          <a:bodyPr>
+            <a:normAutofit/>
+          </a:bodyPr>
+          <a:lstStyle/>
+          <a:p>
+            <a:pPr algn="r" rtl="1"/>
+            <a:r>
+              <a:rPr lang="fa-IR" sz="2400" dirty="0">
+                <a:solidFill>
+                  <a:schemeClr val="tx1"/>
+                </a:solidFill>
+              </a:rPr>
+              <a:t>این تابع که زیر مجموعه </a:t>
+            </a:r>
+            <a:r>
+              <a:rPr lang="en-US" sz="2400" dirty="0">
+                <a:solidFill>
+                  <a:schemeClr val="tx1"/>
+                </a:solidFill>
+              </a:rPr>
+              <a:t>datetime</a:t>
+            </a:r>
+            <a:r>
+              <a:rPr lang="fa-IR" sz="2400" dirty="0">
+                <a:solidFill>
+                  <a:schemeClr val="tx1"/>
+                </a:solidFill>
+              </a:rPr>
+              <a:t> می باشد به شما اجازه تبدیل فرمت خای خاص تاریخ رو از استرینگ به </a:t>
+            </a:r>
+            <a:r>
+              <a:rPr lang="en-US" sz="2400" dirty="0">
+                <a:solidFill>
+                  <a:schemeClr val="tx1"/>
+                </a:solidFill>
+              </a:rPr>
+              <a:t>datetime</a:t>
+            </a:r>
+            <a:r>
+              <a:rPr lang="fa-IR" sz="2400" dirty="0">
+                <a:solidFill>
+                  <a:schemeClr val="tx1"/>
+                </a:solidFill>
+              </a:rPr>
+              <a:t> می دهد </a:t>
+            </a:r>
+            <a:endParaRPr lang="en-US" sz="2400" dirty="0">
+              <a:solidFill>
+                <a:schemeClr val="tx1"/>
+              </a:solidFill>
+            </a:endParaRPr>
+          </a:p>
+        </p:txBody>
+      </p:sp>
+      <p:pic>
+        <p:nvPicPr>
+          <p:cNvPr id="10" name="Picture 9">
+            <a:extLst>
+              <a:ext uri="{FF2B5EF4-FFF2-40B4-BE49-F238E27FC236}">
+                <a16:creationId xmlns:a16="http://schemas.microsoft.com/office/drawing/2014/main" id="{F5ED939A-0CC5-3CAE-092A-14F6A2BA67B2}"/>
+              </a:ext>
+            </a:extLst>
+          </p:cNvPr>
+          <p:cNvPicPr>
+            <a:picLocks noChangeAspect="1"/>
+          </p:cNvPicPr>
+          <p:nvPr/>
+        </p:nvPicPr>
+        <p:blipFill rotWithShape="1">
+          <a:blip r:embed="rId2"/>
+          <a:srcRect l="37197" t="28957" r="13561" b="16902"/>
+          <a:stretch/>
+        </p:blipFill>
+        <p:spPr>
+          <a:xfrm>
+            <a:off x="526262" y="2587517"/>
+            <a:ext cx="6003637" cy="3713018"/>
+          </a:xfrm>
+          <a:prstGeom prst="rect">
+            <a:avLst/>
+          </a:prstGeom>
+        </p:spPr>
+      </p:pic>
+      <p:pic>
+        <p:nvPicPr>
+          <p:cNvPr id="13" name="Picture 12">
+            <a:extLst>
+              <a:ext uri="{FF2B5EF4-FFF2-40B4-BE49-F238E27FC236}">
+                <a16:creationId xmlns:a16="http://schemas.microsoft.com/office/drawing/2014/main" id="{D97170AC-E61B-01BA-49B3-83514C3900A3}"/>
+              </a:ext>
+            </a:extLst>
+          </p:cNvPr>
+          <p:cNvPicPr>
+            <a:picLocks noChangeAspect="1"/>
+          </p:cNvPicPr>
+          <p:nvPr/>
+        </p:nvPicPr>
+        <p:blipFill rotWithShape="1">
+          <a:blip r:embed="rId3"/>
+          <a:srcRect l="5228" t="10774" r="59924" b="60944"/>
+          <a:stretch/>
+        </p:blipFill>
+        <p:spPr>
+          <a:xfrm>
+            <a:off x="7278255" y="2817090"/>
+            <a:ext cx="4248728" cy="1939637"/>
+          </a:xfrm>
+          <a:prstGeom prst="rect">
+            <a:avLst/>
+          </a:prstGeom>
+        </p:spPr>
+      </p:pic>
+      <p:sp>
+        <p:nvSpPr>
+          <p:cNvPr id="14" name="TextBox 13">
+            <a:extLst>
+              <a:ext uri="{FF2B5EF4-FFF2-40B4-BE49-F238E27FC236}">
+                <a16:creationId xmlns:a16="http://schemas.microsoft.com/office/drawing/2014/main" id="{3B0977D8-5AE7-26FD-2C52-982791C36025}"/>
+              </a:ext>
+            </a:extLst>
+          </p:cNvPr>
+          <p:cNvSpPr txBox="1"/>
+          <p:nvPr/>
+        </p:nvSpPr>
+        <p:spPr>
+          <a:xfrm>
+            <a:off x="7370618" y="4913745"/>
+            <a:ext cx="4064000" cy="369332"/>
+          </a:xfrm>
+          <a:prstGeom prst="rect">
+            <a:avLst/>
+          </a:prstGeom>
+          <a:noFill/>
+        </p:spPr>
+        <p:txBody>
+          <a:bodyPr wrap="square" rtlCol="0">
+            <a:spAutoFit/>
+          </a:bodyPr>
+          <a:lstStyle/>
+          <a:p>
+            <a:pPr algn="r" rtl="1"/>
+            <a:r>
+              <a:rPr lang="fa-IR" dirty="0"/>
+              <a:t>امکان جمع و منها کردن مستقیم تاریخ ها </a:t>
+            </a:r>
+            <a:endParaRPr lang="en-US" dirty="0"/>
+          </a:p>
+        </p:txBody>
+      </p:sp>
+      <p:sp>
+        <p:nvSpPr>
+          <p:cNvPr id="4" name="TextBox 3">
+            <a:extLst>
+              <a:ext uri="{FF2B5EF4-FFF2-40B4-BE49-F238E27FC236}">
+                <a16:creationId xmlns:a16="http://schemas.microsoft.com/office/drawing/2014/main" id="{0A6FF779-ED39-72ED-EB1C-2272987C4A59}"/>
+              </a:ext>
+            </a:extLst>
+          </p:cNvPr>
+          <p:cNvSpPr txBox="1"/>
+          <p:nvPr/>
+        </p:nvSpPr>
+        <p:spPr>
+          <a:xfrm>
+            <a:off x="7564582" y="5384800"/>
+            <a:ext cx="4101156" cy="369332"/>
+          </a:xfrm>
+          <a:prstGeom prst="rect">
+            <a:avLst/>
+          </a:prstGeom>
+          <a:noFill/>
+        </p:spPr>
+        <p:txBody>
+          <a:bodyPr wrap="square" rtlCol="0">
+            <a:spAutoFit/>
+          </a:bodyPr>
+          <a:lstStyle/>
+          <a:p>
+            <a:pPr algn="r" rtl="1"/>
+            <a:r>
+              <a:rPr lang="fa-IR" dirty="0">
+                <a:hlinkClick r:id="rId4"/>
+              </a:rPr>
+              <a:t>کاربرد های دیگر </a:t>
+            </a:r>
+            <a:r>
+              <a:rPr lang="en-US" dirty="0">
+                <a:hlinkClick r:id="rId4"/>
+              </a:rPr>
+              <a:t>datetime</a:t>
+            </a:r>
+            <a:endParaRPr lang="en-US" dirty="0"/>
+          </a:p>
+        </p:txBody>
+      </p:sp>
+    </p:spTree>
+    <p:extLst>
+      <p:ext uri="{BB962C8B-B14F-4D97-AF65-F5344CB8AC3E}">
+        <p14:creationId xmlns:p14="http://schemas.microsoft.com/office/powerpoint/2010/main" val="2039754657"/>
       </p:ext>
     </p:extLst>
   </p:cSld>
